--- a/DESpy/OA3302 - Intro to DESpy.pptx
+++ b/DESpy/OA3302 - Intro to DESpy.pptx
@@ -265,7 +265,7 @@
             <a:fld id="{E4A26756-07C7-E141-A537-E358020B793A}" type="datetime1">
               <a:rPr lang="en-US"/>
               <a:pPr/>
-              <a:t>11/2/18</a:t>
+              <a:t>11/5/18</a:t>
             </a:fld>
             <a:endParaRPr lang="en-US"/>
           </a:p>
@@ -471,7 +471,7 @@
             <a:fld id="{1B7CC65F-BDEA-5F4D-AF3F-5CECDB0C1E1C}" type="datetime1">
               <a:rPr lang="en-US"/>
               <a:pPr/>
-              <a:t>11/2/18</a:t>
+              <a:t>11/5/18</a:t>
             </a:fld>
             <a:endParaRPr lang="en-US"/>
           </a:p>
@@ -3491,14 +3491,14 @@
           </a:ln>
           <a:extLst>
             <a:ext uri="{909E8E84-426E-40dd-AFC4-6F175D3DCCD1}">
-              <a14:hiddenFill xmlns="" xmlns:a14="http://schemas.microsoft.com/office/drawing/2010/main">
+              <a14:hiddenFill xmlns:a14="http://schemas.microsoft.com/office/drawing/2010/main" xmlns="">
                 <a:solidFill>
                   <a:srgbClr val="FFFFFF"/>
                 </a:solidFill>
               </a14:hiddenFill>
             </a:ext>
             <a:ext uri="{91240B29-F687-4f45-9708-019B960494DF}">
-              <a14:hiddenLine xmlns="" xmlns:a14="http://schemas.microsoft.com/office/drawing/2010/main" w="9525">
+              <a14:hiddenLine xmlns:a14="http://schemas.microsoft.com/office/drawing/2010/main" xmlns="" w="9525">
                 <a:solidFill>
                   <a:srgbClr val="000000"/>
                 </a:solidFill>
@@ -3508,7 +3508,7 @@
               </a14:hiddenLine>
             </a:ext>
             <a:ext uri="{FAA26D3D-D897-4be2-8F04-BA451C77F1D7}">
-              <ma14:placeholderFlag xmlns="" xmlns:ma14="http://schemas.microsoft.com/office/mac/drawingml/2011/main" val="1"/>
+              <ma14:placeholderFlag xmlns:ma14="http://schemas.microsoft.com/office/mac/drawingml/2011/main" xmlns="" val="1"/>
             </a:ext>
           </a:extLst>
         </p:spPr>
@@ -3552,14 +3552,14 @@
           </a:ln>
           <a:extLst>
             <a:ext uri="{909E8E84-426E-40dd-AFC4-6F175D3DCCD1}">
-              <a14:hiddenFill xmlns="" xmlns:a14="http://schemas.microsoft.com/office/drawing/2010/main">
+              <a14:hiddenFill xmlns:a14="http://schemas.microsoft.com/office/drawing/2010/main" xmlns="">
                 <a:solidFill>
                   <a:srgbClr val="FFFFFF"/>
                 </a:solidFill>
               </a14:hiddenFill>
             </a:ext>
             <a:ext uri="{91240B29-F687-4f45-9708-019B960494DF}">
-              <a14:hiddenLine xmlns="" xmlns:a14="http://schemas.microsoft.com/office/drawing/2010/main" w="9525">
+              <a14:hiddenLine xmlns:a14="http://schemas.microsoft.com/office/drawing/2010/main" xmlns="" w="9525">
                 <a:solidFill>
                   <a:srgbClr val="000000"/>
                 </a:solidFill>
@@ -3569,7 +3569,7 @@
               </a14:hiddenLine>
             </a:ext>
             <a:ext uri="{FAA26D3D-D897-4be2-8F04-BA451C77F1D7}">
-              <ma14:placeholderFlag xmlns="" xmlns:ma14="http://schemas.microsoft.com/office/mac/drawingml/2011/main" val="1"/>
+              <ma14:placeholderFlag xmlns:ma14="http://schemas.microsoft.com/office/mac/drawingml/2011/main" xmlns="" val="1"/>
             </a:ext>
           </a:extLst>
         </p:spPr>
@@ -4739,7 +4739,7 @@
               <a:rPr lang="en-US" sz="2000" dirty="0">
                 <a:latin typeface="Courier" pitchFamily="2" charset="0"/>
               </a:rPr>
-              <a:t>/anaconda3/bin/ python -m pip install </a:t>
+              <a:t>/anaconda3/bin/python -m pip install </a:t>
             </a:r>
             <a:r>
               <a:rPr lang="en-US" sz="2000" dirty="0" err="1">
@@ -5269,6 +5269,17 @@
               <a:rPr lang="en-US" dirty="0"/>
               <a:t>Implement event methods</a:t>
             </a:r>
+          </a:p>
+          <a:p>
+            <a:r>
+              <a:rPr lang="en-US" dirty="0"/>
+              <a:t>Test </a:t>
+            </a:r>
+            <a:r>
+              <a:rPr lang="en-US"/>
+              <a:t>&amp; run</a:t>
+            </a:r>
+            <a:endParaRPr lang="en-US" dirty="0"/>
           </a:p>
           <a:p>
             <a:endParaRPr lang="en-US" dirty="0"/>

--- a/DESpy/OA3302 - Intro to DESpy.pptx
+++ b/DESpy/OA3302 - Intro to DESpy.pptx
@@ -1,21 +1,22 @@
 
 <file path=ppt/presentation.xml><?xml version="1.0" encoding="utf-8"?>
-<p:presentation xmlns:a="http://schemas.openxmlformats.org/drawingml/2006/main" xmlns:r="http://schemas.openxmlformats.org/officeDocument/2006/relationships" xmlns:p="http://schemas.openxmlformats.org/presentationml/2006/main" showSpecialPlsOnTitleSld="0" saveSubsetFonts="1" autoCompressPictures="0">
+<p:presentation xmlns:a="http://schemas.openxmlformats.org/drawingml/2006/main" xmlns:r="http://schemas.openxmlformats.org/officeDocument/2006/relationships" xmlns:p="http://schemas.openxmlformats.org/presentationml/2006/main" saveSubsetFonts="1" autoCompressPictures="0">
   <p:sldMasterIdLst>
     <p:sldMasterId id="2147483648" r:id="rId1"/>
   </p:sldMasterIdLst>
   <p:notesMasterIdLst>
-    <p:notesMasterId r:id="rId7"/>
+    <p:notesMasterId r:id="rId8"/>
   </p:notesMasterIdLst>
   <p:handoutMasterIdLst>
-    <p:handoutMasterId r:id="rId8"/>
+    <p:handoutMasterId r:id="rId9"/>
   </p:handoutMasterIdLst>
   <p:sldIdLst>
-    <p:sldId id="256" r:id="rId2"/>
-    <p:sldId id="257" r:id="rId3"/>
-    <p:sldId id="258" r:id="rId4"/>
-    <p:sldId id="259" r:id="rId5"/>
-    <p:sldId id="260" r:id="rId6"/>
+    <p:sldId id="261" r:id="rId2"/>
+    <p:sldId id="256" r:id="rId3"/>
+    <p:sldId id="257" r:id="rId4"/>
+    <p:sldId id="258" r:id="rId5"/>
+    <p:sldId id="259" r:id="rId6"/>
+    <p:sldId id="260" r:id="rId7"/>
   </p:sldIdLst>
   <p:sldSz cx="9144000" cy="6858000" type="screen4x3"/>
   <p:notesSz cx="6858000" cy="9144000"/>
@@ -265,7 +266,7 @@
             <a:fld id="{E4A26756-07C7-E141-A537-E358020B793A}" type="datetime1">
               <a:rPr lang="en-US"/>
               <a:pPr/>
-              <a:t>11/5/18</a:t>
+              <a:t>11/6/18</a:t>
             </a:fld>
             <a:endParaRPr lang="en-US"/>
           </a:p>
@@ -471,7 +472,7 @@
             <a:fld id="{1B7CC65F-BDEA-5F4D-AF3F-5CECDB0C1E1C}" type="datetime1">
               <a:rPr lang="en-US"/>
               <a:pPr/>
-              <a:t>11/5/18</a:t>
+              <a:t>11/6/18</a:t>
             </a:fld>
             <a:endParaRPr lang="en-US"/>
           </a:p>
@@ -1004,7 +1005,7 @@
             </a:pPr>
             <a:r>
               <a:rPr lang="en-US"/>
-              <a:t>Introduction to DESpy</a:t>
+              <a:t>DES Modeling with DESpy</a:t>
             </a:r>
           </a:p>
         </p:txBody>
@@ -1190,7 +1191,7 @@
             </a:pPr>
             <a:r>
               <a:rPr lang="en-US"/>
-              <a:t>Introduction to DESpy</a:t>
+              <a:t>DES Modeling with DESpy</a:t>
             </a:r>
           </a:p>
         </p:txBody>
@@ -1386,7 +1387,7 @@
             </a:pPr>
             <a:r>
               <a:rPr lang="en-US"/>
-              <a:t>Introduction to DESpy</a:t>
+              <a:t>DES Modeling with DESpy</a:t>
             </a:r>
           </a:p>
         </p:txBody>
@@ -1572,7 +1573,7 @@
             </a:pPr>
             <a:r>
               <a:rPr lang="en-US"/>
-              <a:t>Introduction to DESpy</a:t>
+              <a:t>DES Modeling with DESpy</a:t>
             </a:r>
           </a:p>
         </p:txBody>
@@ -1835,7 +1836,7 @@
             </a:pPr>
             <a:r>
               <a:rPr lang="en-US"/>
-              <a:t>Introduction to DESpy</a:t>
+              <a:t>DES Modeling with DESpy</a:t>
             </a:r>
           </a:p>
         </p:txBody>
@@ -2138,7 +2139,7 @@
             </a:pPr>
             <a:r>
               <a:rPr lang="en-US"/>
-              <a:t>Introduction to DESpy</a:t>
+              <a:t>DES Modeling with DESpy</a:t>
             </a:r>
           </a:p>
         </p:txBody>
@@ -2575,7 +2576,7 @@
             </a:pPr>
             <a:r>
               <a:rPr lang="en-US"/>
-              <a:t>Introduction to DESpy</a:t>
+              <a:t>DES Modeling with DESpy</a:t>
             </a:r>
           </a:p>
         </p:txBody>
@@ -2710,7 +2711,7 @@
             </a:pPr>
             <a:r>
               <a:rPr lang="en-US"/>
-              <a:t>Introduction to DESpy</a:t>
+              <a:t>DES Modeling with DESpy</a:t>
             </a:r>
           </a:p>
         </p:txBody>
@@ -2823,7 +2824,7 @@
             </a:pPr>
             <a:r>
               <a:rPr lang="en-US"/>
-              <a:t>Introduction to DESpy</a:t>
+              <a:t>DES Modeling with DESpy</a:t>
             </a:r>
           </a:p>
         </p:txBody>
@@ -3116,7 +3117,7 @@
             </a:pPr>
             <a:r>
               <a:rPr lang="en-US"/>
-              <a:t>Introduction to DESpy</a:t>
+              <a:t>DES Modeling with DESpy</a:t>
             </a:r>
           </a:p>
         </p:txBody>
@@ -3392,7 +3393,7 @@
             </a:pPr>
             <a:r>
               <a:rPr lang="en-US"/>
-              <a:t>Introduction to DESpy</a:t>
+              <a:t>DES Modeling with DESpy</a:t>
             </a:r>
           </a:p>
         </p:txBody>
@@ -3491,14 +3492,14 @@
           </a:ln>
           <a:extLst>
             <a:ext uri="{909E8E84-426E-40dd-AFC4-6F175D3DCCD1}">
-              <a14:hiddenFill xmlns:a14="http://schemas.microsoft.com/office/drawing/2010/main" xmlns="">
+              <a14:hiddenFill xmlns="" xmlns:a14="http://schemas.microsoft.com/office/drawing/2010/main">
                 <a:solidFill>
                   <a:srgbClr val="FFFFFF"/>
                 </a:solidFill>
               </a14:hiddenFill>
             </a:ext>
             <a:ext uri="{91240B29-F687-4f45-9708-019B960494DF}">
-              <a14:hiddenLine xmlns:a14="http://schemas.microsoft.com/office/drawing/2010/main" xmlns="" w="9525">
+              <a14:hiddenLine xmlns="" xmlns:a14="http://schemas.microsoft.com/office/drawing/2010/main" w="9525">
                 <a:solidFill>
                   <a:srgbClr val="000000"/>
                 </a:solidFill>
@@ -3508,7 +3509,7 @@
               </a14:hiddenLine>
             </a:ext>
             <a:ext uri="{FAA26D3D-D897-4be2-8F04-BA451C77F1D7}">
-              <ma14:placeholderFlag xmlns:ma14="http://schemas.microsoft.com/office/mac/drawingml/2011/main" xmlns="" val="1"/>
+              <ma14:placeholderFlag xmlns="" xmlns:ma14="http://schemas.microsoft.com/office/mac/drawingml/2011/main" val="1"/>
             </a:ext>
           </a:extLst>
         </p:spPr>
@@ -3552,14 +3553,14 @@
           </a:ln>
           <a:extLst>
             <a:ext uri="{909E8E84-426E-40dd-AFC4-6F175D3DCCD1}">
-              <a14:hiddenFill xmlns:a14="http://schemas.microsoft.com/office/drawing/2010/main" xmlns="">
+              <a14:hiddenFill xmlns="" xmlns:a14="http://schemas.microsoft.com/office/drawing/2010/main">
                 <a:solidFill>
                   <a:srgbClr val="FFFFFF"/>
                 </a:solidFill>
               </a14:hiddenFill>
             </a:ext>
             <a:ext uri="{91240B29-F687-4f45-9708-019B960494DF}">
-              <a14:hiddenLine xmlns:a14="http://schemas.microsoft.com/office/drawing/2010/main" xmlns="" w="9525">
+              <a14:hiddenLine xmlns="" xmlns:a14="http://schemas.microsoft.com/office/drawing/2010/main" w="9525">
                 <a:solidFill>
                   <a:srgbClr val="000000"/>
                 </a:solidFill>
@@ -3569,7 +3570,7 @@
               </a14:hiddenLine>
             </a:ext>
             <a:ext uri="{FAA26D3D-D897-4be2-8F04-BA451C77F1D7}">
-              <ma14:placeholderFlag xmlns:ma14="http://schemas.microsoft.com/office/mac/drawingml/2011/main" xmlns="" val="1"/>
+              <ma14:placeholderFlag xmlns="" xmlns:ma14="http://schemas.microsoft.com/office/mac/drawingml/2011/main" val="1"/>
             </a:ext>
           </a:extLst>
         </p:spPr>
@@ -3707,7 +3708,7 @@
             </a:pPr>
             <a:r>
               <a:rPr lang="en-US"/>
-              <a:t>Introduction to DESpy</a:t>
+              <a:t>DES Modeling with DESpy</a:t>
             </a:r>
           </a:p>
         </p:txBody>
@@ -4191,10 +4192,10 @@
       </p:grpSpPr>
       <p:sp>
         <p:nvSpPr>
-          <p:cNvPr id="4" name="Title 3">
+          <p:cNvPr id="7" name="Title 6">
             <a:extLst>
               <a:ext uri="{FF2B5EF4-FFF2-40B4-BE49-F238E27FC236}">
-                <a16:creationId xmlns:a16="http://schemas.microsoft.com/office/drawing/2014/main" id="{CFD9F669-7904-5749-8991-137FEC5E87E9}"/>
+                <a16:creationId xmlns:a16="http://schemas.microsoft.com/office/drawing/2014/main" id="{67EAF039-BF36-0A47-BA92-B0D9DC55F364}"/>
               </a:ext>
             </a:extLst>
           </p:cNvPr>
@@ -4202,7 +4203,7 @@
             <a:spLocks noGrp="1"/>
           </p:cNvSpPr>
           <p:nvPr>
-            <p:ph type="title"/>
+            <p:ph type="ctrTitle"/>
           </p:nvPr>
         </p:nvSpPr>
         <p:spPr/>
@@ -4212,17 +4213,22 @@
           <a:p>
             <a:r>
               <a:rPr lang="en-US" dirty="0"/>
-              <a:t>Overview</a:t>
-            </a:r>
-          </a:p>
-        </p:txBody>
-      </p:sp>
-      <p:sp>
-        <p:nvSpPr>
-          <p:cNvPr id="5" name="Content Placeholder 4">
+              <a:t>Event Graph Modeling with </a:t>
+            </a:r>
+            <a:r>
+              <a:rPr lang="en-US" dirty="0" err="1"/>
+              <a:t>DESpy</a:t>
+            </a:r>
+            <a:endParaRPr lang="en-US" dirty="0"/>
+          </a:p>
+        </p:txBody>
+      </p:sp>
+      <p:sp>
+        <p:nvSpPr>
+          <p:cNvPr id="8" name="Subtitle 7">
             <a:extLst>
               <a:ext uri="{FF2B5EF4-FFF2-40B4-BE49-F238E27FC236}">
-                <a16:creationId xmlns:a16="http://schemas.microsoft.com/office/drawing/2014/main" id="{D0BCBF72-59C8-0E42-81F4-56C1A431969B}"/>
+                <a16:creationId xmlns:a16="http://schemas.microsoft.com/office/drawing/2014/main" id="{D618FFFF-A9B4-3142-8B23-55C70B425E64}"/>
               </a:ext>
             </a:extLst>
           </p:cNvPr>
@@ -4230,7 +4236,7 @@
             <a:spLocks noGrp="1"/>
           </p:cNvSpPr>
           <p:nvPr>
-            <p:ph idx="1"/>
+            <p:ph type="subTitle" idx="1"/>
           </p:nvPr>
         </p:nvSpPr>
         <p:spPr/>
@@ -4239,62 +4245,37 @@
           <a:lstStyle/>
           <a:p>
             <a:r>
-              <a:rPr lang="en-US" dirty="0"/>
-              <a:t>Installing Python IDE (Spyder or PyCharm)</a:t>
-            </a:r>
-          </a:p>
-          <a:p>
-            <a:r>
-              <a:rPr lang="en-US" dirty="0"/>
-              <a:t>Installing </a:t>
-            </a:r>
-            <a:r>
-              <a:rPr lang="en-US" dirty="0" err="1"/>
-              <a:t>DESpy</a:t>
-            </a:r>
-            <a:endParaRPr lang="en-US" dirty="0"/>
-          </a:p>
-          <a:p>
-            <a:r>
-              <a:rPr lang="en-US" dirty="0"/>
-              <a:t>Running an existing </a:t>
-            </a:r>
-            <a:r>
-              <a:rPr lang="en-US" dirty="0" err="1"/>
-              <a:t>DESpy</a:t>
-            </a:r>
-            <a:r>
-              <a:rPr lang="en-US" dirty="0"/>
-              <a:t> model</a:t>
-            </a:r>
-          </a:p>
-          <a:p>
-            <a:r>
-              <a:rPr lang="en-US" dirty="0"/>
-              <a:t>Creating a </a:t>
-            </a:r>
-            <a:r>
-              <a:rPr lang="en-US" dirty="0" err="1"/>
-              <a:t>DESpy</a:t>
-            </a:r>
-            <a:r>
-              <a:rPr lang="en-US" dirty="0"/>
-              <a:t> model from </a:t>
-            </a:r>
-            <a:r>
-              <a:rPr lang="en-US" dirty="0" err="1"/>
-              <a:t>EventGraph</a:t>
-            </a:r>
-            <a:endParaRPr lang="en-US" dirty="0"/>
-          </a:p>
-        </p:txBody>
-      </p:sp>
-      <p:sp>
-        <p:nvSpPr>
-          <p:cNvPr id="6" name="Date Placeholder 5">
+              <a:rPr lang="en-US" sz="2400" dirty="0"/>
+              <a:t>Arnold Buss</a:t>
+            </a:r>
+          </a:p>
+          <a:p>
+            <a:r>
+              <a:rPr lang="en-US" sz="2400" dirty="0"/>
+              <a:t>MOVES Institute</a:t>
+            </a:r>
+          </a:p>
+          <a:p>
+            <a:r>
+              <a:rPr lang="en-US" sz="2400" dirty="0"/>
+              <a:t>Naval Postgraduate School</a:t>
+            </a:r>
+          </a:p>
+          <a:p>
+            <a:r>
+              <a:rPr lang="en-US" sz="2400" dirty="0" err="1"/>
+              <a:t>abuss@nps.edu</a:t>
+            </a:r>
+            <a:endParaRPr lang="en-US" sz="2400" dirty="0"/>
+          </a:p>
+        </p:txBody>
+      </p:sp>
+      <p:sp>
+        <p:nvSpPr>
+          <p:cNvPr id="4" name="Date Placeholder 3">
             <a:extLst>
               <a:ext uri="{FF2B5EF4-FFF2-40B4-BE49-F238E27FC236}">
-                <a16:creationId xmlns:a16="http://schemas.microsoft.com/office/drawing/2014/main" id="{DC2CD3A8-826B-774C-B9C0-C6900EF6D882}"/>
+                <a16:creationId xmlns:a16="http://schemas.microsoft.com/office/drawing/2014/main" id="{AE31EB56-D568-7446-AB8C-2642A5A245BA}"/>
               </a:ext>
             </a:extLst>
           </p:cNvPr>
@@ -4319,10 +4300,10 @@
       </p:sp>
       <p:sp>
         <p:nvSpPr>
-          <p:cNvPr id="7" name="Footer Placeholder 6">
+          <p:cNvPr id="5" name="Footer Placeholder 4">
             <a:extLst>
               <a:ext uri="{FF2B5EF4-FFF2-40B4-BE49-F238E27FC236}">
-                <a16:creationId xmlns:a16="http://schemas.microsoft.com/office/drawing/2014/main" id="{88FED9E2-D176-A04C-AB5C-0B375EB63467}"/>
+                <a16:creationId xmlns:a16="http://schemas.microsoft.com/office/drawing/2014/main" id="{9CA41B6F-6E12-6A42-89AD-9FA9EE6F620B}"/>
               </a:ext>
             </a:extLst>
           </p:cNvPr>
@@ -4343,17 +4324,17 @@
             </a:pPr>
             <a:r>
               <a:rPr lang="en-US"/>
-              <a:t>Introduction to DESpy</a:t>
-            </a:r>
-          </a:p>
-        </p:txBody>
-      </p:sp>
-      <p:sp>
-        <p:nvSpPr>
-          <p:cNvPr id="8" name="Slide Number Placeholder 7">
+              <a:t>DES Modeling with DESpy</a:t>
+            </a:r>
+          </a:p>
+        </p:txBody>
+      </p:sp>
+      <p:sp>
+        <p:nvSpPr>
+          <p:cNvPr id="6" name="Slide Number Placeholder 5">
             <a:extLst>
               <a:ext uri="{FF2B5EF4-FFF2-40B4-BE49-F238E27FC236}">
-                <a16:creationId xmlns:a16="http://schemas.microsoft.com/office/drawing/2014/main" id="{F2CC627A-65D1-0F46-BC6E-B96CFCCA9F16}"/>
+                <a16:creationId xmlns:a16="http://schemas.microsoft.com/office/drawing/2014/main" id="{B30F1F1E-4BCA-4B45-972C-5F4FD0E10CC6}"/>
               </a:ext>
             </a:extLst>
           </p:cNvPr>
@@ -4381,7 +4362,7 @@
     </p:spTree>
     <p:extLst>
       <p:ext uri="{BB962C8B-B14F-4D97-AF65-F5344CB8AC3E}">
-        <p14:creationId xmlns:p14="http://schemas.microsoft.com/office/powerpoint/2010/main" val="121817402"/>
+        <p14:creationId xmlns:p14="http://schemas.microsoft.com/office/powerpoint/2010/main" val="1516334061"/>
       </p:ext>
     </p:extLst>
   </p:cSld>
@@ -4410,7 +4391,13 @@
       </p:grpSpPr>
       <p:sp>
         <p:nvSpPr>
-          <p:cNvPr id="2" name="Title 1"/>
+          <p:cNvPr id="4" name="Title 3">
+            <a:extLst>
+              <a:ext uri="{FF2B5EF4-FFF2-40B4-BE49-F238E27FC236}">
+                <a16:creationId xmlns:a16="http://schemas.microsoft.com/office/drawing/2014/main" id="{CFD9F669-7904-5749-8991-137FEC5E87E9}"/>
+              </a:ext>
+            </a:extLst>
+          </p:cNvPr>
           <p:cNvSpPr>
             <a:spLocks noGrp="1"/>
           </p:cNvSpPr>
@@ -4425,14 +4412,20 @@
           <a:p>
             <a:r>
               <a:rPr lang="en-US" dirty="0"/>
-              <a:t>Installing Python IDE</a:t>
-            </a:r>
-          </a:p>
-        </p:txBody>
-      </p:sp>
-      <p:sp>
-        <p:nvSpPr>
-          <p:cNvPr id="3" name="Content Placeholder 2"/>
+              <a:t>Overview</a:t>
+            </a:r>
+          </a:p>
+        </p:txBody>
+      </p:sp>
+      <p:sp>
+        <p:nvSpPr>
+          <p:cNvPr id="5" name="Content Placeholder 4">
+            <a:extLst>
+              <a:ext uri="{FF2B5EF4-FFF2-40B4-BE49-F238E27FC236}">
+                <a16:creationId xmlns:a16="http://schemas.microsoft.com/office/drawing/2014/main" id="{D0BCBF72-59C8-0E42-81F4-56C1A431969B}"/>
+              </a:ext>
+            </a:extLst>
+          </p:cNvPr>
           <p:cNvSpPr>
             <a:spLocks noGrp="1"/>
           </p:cNvSpPr>
@@ -4447,32 +4440,50 @@
           <a:p>
             <a:r>
               <a:rPr lang="en-US" dirty="0"/>
-              <a:t>Anaconda/Spyder</a:t>
-            </a:r>
-          </a:p>
-          <a:p>
-            <a:pPr lvl="1"/>
-            <a:r>
-              <a:rPr lang="en-US" dirty="0">
-                <a:hlinkClick r:id="rId2"/>
-              </a:rPr>
-              <a:t>https://www.anaconda.com/download/</a:t>
+              <a:t>Installing Python IDE (Spyder or PyCharm)</a:t>
+            </a:r>
+          </a:p>
+          <a:p>
+            <a:r>
+              <a:rPr lang="en-US" dirty="0"/>
+              <a:t>Installing </a:t>
+            </a:r>
+            <a:r>
+              <a:rPr lang="en-US" dirty="0" err="1"/>
+              <a:t>DESpy</a:t>
             </a:r>
             <a:endParaRPr lang="en-US" dirty="0"/>
           </a:p>
           <a:p>
             <a:r>
               <a:rPr lang="en-US" dirty="0"/>
-              <a:t>PyCharm Community Edition</a:t>
-            </a:r>
-          </a:p>
-          <a:p>
-            <a:pPr lvl="1"/>
-            <a:r>
-              <a:rPr lang="en-US" dirty="0">
-                <a:hlinkClick r:id="rId3"/>
-              </a:rPr>
-              <a:t>https://www.jetbrains.com/pycharm/download/</a:t>
+              <a:t>Running an existing </a:t>
+            </a:r>
+            <a:r>
+              <a:rPr lang="en-US" dirty="0" err="1"/>
+              <a:t>DESpy</a:t>
+            </a:r>
+            <a:r>
+              <a:rPr lang="en-US" dirty="0"/>
+              <a:t> model</a:t>
+            </a:r>
+          </a:p>
+          <a:p>
+            <a:r>
+              <a:rPr lang="en-US" dirty="0"/>
+              <a:t>Creating a </a:t>
+            </a:r>
+            <a:r>
+              <a:rPr lang="en-US" dirty="0" err="1"/>
+              <a:t>DESpy</a:t>
+            </a:r>
+            <a:r>
+              <a:rPr lang="en-US" dirty="0"/>
+              <a:t> model from </a:t>
+            </a:r>
+            <a:r>
+              <a:rPr lang="en-US" dirty="0" err="1"/>
+              <a:t>EventGraph</a:t>
             </a:r>
             <a:endParaRPr lang="en-US" dirty="0"/>
           </a:p>
@@ -4480,7 +4491,13 @@
       </p:sp>
       <p:sp>
         <p:nvSpPr>
-          <p:cNvPr id="4" name="Date Placeholder 3"/>
+          <p:cNvPr id="6" name="Date Placeholder 5">
+            <a:extLst>
+              <a:ext uri="{FF2B5EF4-FFF2-40B4-BE49-F238E27FC236}">
+                <a16:creationId xmlns:a16="http://schemas.microsoft.com/office/drawing/2014/main" id="{DC2CD3A8-826B-774C-B9C0-C6900EF6D882}"/>
+              </a:ext>
+            </a:extLst>
+          </p:cNvPr>
           <p:cNvSpPr>
             <a:spLocks noGrp="1"/>
           </p:cNvSpPr>
@@ -4502,7 +4519,44 @@
       </p:sp>
       <p:sp>
         <p:nvSpPr>
-          <p:cNvPr id="5" name="Slide Number Placeholder 4"/>
+          <p:cNvPr id="7" name="Footer Placeholder 6">
+            <a:extLst>
+              <a:ext uri="{FF2B5EF4-FFF2-40B4-BE49-F238E27FC236}">
+                <a16:creationId xmlns:a16="http://schemas.microsoft.com/office/drawing/2014/main" id="{88FED9E2-D176-A04C-AB5C-0B375EB63467}"/>
+              </a:ext>
+            </a:extLst>
+          </p:cNvPr>
+          <p:cNvSpPr>
+            <a:spLocks noGrp="1"/>
+          </p:cNvSpPr>
+          <p:nvPr>
+            <p:ph type="ftr" sz="quarter" idx="11"/>
+          </p:nvPr>
+        </p:nvSpPr>
+        <p:spPr/>
+        <p:txBody>
+          <a:bodyPr/>
+          <a:lstStyle/>
+          <a:p>
+            <a:pPr>
+              <a:defRPr/>
+            </a:pPr>
+            <a:r>
+              <a:rPr lang="en-US"/>
+              <a:t>DES Modeling with DESpy</a:t>
+            </a:r>
+          </a:p>
+        </p:txBody>
+      </p:sp>
+      <p:sp>
+        <p:nvSpPr>
+          <p:cNvPr id="8" name="Slide Number Placeholder 7">
+            <a:extLst>
+              <a:ext uri="{FF2B5EF4-FFF2-40B4-BE49-F238E27FC236}">
+                <a16:creationId xmlns:a16="http://schemas.microsoft.com/office/drawing/2014/main" id="{F2CC627A-65D1-0F46-BC6E-B96CFCCA9F16}"/>
+              </a:ext>
+            </a:extLst>
+          </p:cNvPr>
           <p:cNvSpPr>
             <a:spLocks noGrp="1"/>
           </p:cNvSpPr>
@@ -4524,41 +4578,10 @@
           </a:p>
         </p:txBody>
       </p:sp>
-      <p:sp>
-        <p:nvSpPr>
-          <p:cNvPr id="6" name="Footer Placeholder 5">
-            <a:extLst>
-              <a:ext uri="{FF2B5EF4-FFF2-40B4-BE49-F238E27FC236}">
-                <a16:creationId xmlns:a16="http://schemas.microsoft.com/office/drawing/2014/main" id="{68D5AD32-31A8-F348-A61C-BEB587A902BA}"/>
-              </a:ext>
-            </a:extLst>
-          </p:cNvPr>
-          <p:cNvSpPr>
-            <a:spLocks noGrp="1"/>
-          </p:cNvSpPr>
-          <p:nvPr>
-            <p:ph type="ftr" sz="quarter" idx="11"/>
-          </p:nvPr>
-        </p:nvSpPr>
-        <p:spPr/>
-        <p:txBody>
-          <a:bodyPr/>
-          <a:lstStyle/>
-          <a:p>
-            <a:pPr>
-              <a:defRPr/>
-            </a:pPr>
-            <a:r>
-              <a:rPr lang="en-US"/>
-              <a:t>Introduction to DESpy</a:t>
-            </a:r>
-          </a:p>
-        </p:txBody>
-      </p:sp>
     </p:spTree>
     <p:extLst>
       <p:ext uri="{BB962C8B-B14F-4D97-AF65-F5344CB8AC3E}">
-        <p14:creationId xmlns:p14="http://schemas.microsoft.com/office/powerpoint/2010/main" val="4288533972"/>
+        <p14:creationId xmlns:p14="http://schemas.microsoft.com/office/powerpoint/2010/main" val="121817402"/>
       </p:ext>
     </p:extLst>
   </p:cSld>
@@ -4587,13 +4610,7 @@
       </p:grpSpPr>
       <p:sp>
         <p:nvSpPr>
-          <p:cNvPr id="2" name="Title 1">
-            <a:extLst>
-              <a:ext uri="{FF2B5EF4-FFF2-40B4-BE49-F238E27FC236}">
-                <a16:creationId xmlns:a16="http://schemas.microsoft.com/office/drawing/2014/main" id="{6C7F3A5F-EA0D-ED4B-A1D6-D84C8B7024E1}"/>
-              </a:ext>
-            </a:extLst>
-          </p:cNvPr>
+          <p:cNvPr id="2" name="Title 1"/>
           <p:cNvSpPr>
             <a:spLocks noGrp="1"/>
           </p:cNvSpPr>
@@ -4608,30 +4625,91 @@
           <a:p>
             <a:r>
               <a:rPr lang="en-US" dirty="0"/>
-              <a:t>Installing </a:t>
-            </a:r>
-            <a:r>
-              <a:rPr lang="en-US" dirty="0" err="1"/>
-              <a:t>DESpy</a:t>
+              <a:t>Installing Python IDE</a:t>
+            </a:r>
+          </a:p>
+        </p:txBody>
+      </p:sp>
+      <p:sp>
+        <p:nvSpPr>
+          <p:cNvPr id="3" name="Content Placeholder 2"/>
+          <p:cNvSpPr>
+            <a:spLocks noGrp="1"/>
+          </p:cNvSpPr>
+          <p:nvPr>
+            <p:ph idx="1"/>
+          </p:nvPr>
+        </p:nvSpPr>
+        <p:spPr/>
+        <p:txBody>
+          <a:bodyPr/>
+          <a:lstStyle/>
+          <a:p>
+            <a:r>
+              <a:rPr lang="en-US" dirty="0"/>
+              <a:t>Anaconda/Spyder</a:t>
+            </a:r>
+          </a:p>
+          <a:p>
+            <a:pPr lvl="1"/>
+            <a:r>
+              <a:rPr lang="en-US" dirty="0">
+                <a:hlinkClick r:id="rId2"/>
+              </a:rPr>
+              <a:t>https://www.anaconda.com/download/</a:t>
             </a:r>
             <a:endParaRPr lang="en-US" dirty="0"/>
           </a:p>
-        </p:txBody>
-      </p:sp>
-      <p:sp>
-        <p:nvSpPr>
-          <p:cNvPr id="3" name="Content Placeholder 2">
-            <a:extLst>
-              <a:ext uri="{FF2B5EF4-FFF2-40B4-BE49-F238E27FC236}">
-                <a16:creationId xmlns:a16="http://schemas.microsoft.com/office/drawing/2014/main" id="{FAC2CF85-B346-D647-B34F-71F9F48C2B69}"/>
-              </a:ext>
-            </a:extLst>
-          </p:cNvPr>
-          <p:cNvSpPr>
-            <a:spLocks noGrp="1"/>
-          </p:cNvSpPr>
-          <p:nvPr>
-            <p:ph idx="1"/>
+          <a:p>
+            <a:pPr lvl="1"/>
+            <a:r>
+              <a:rPr lang="en-US" dirty="0"/>
+              <a:t>Comes with own Python installation</a:t>
+            </a:r>
+          </a:p>
+          <a:p>
+            <a:r>
+              <a:rPr lang="en-US" dirty="0"/>
+              <a:t>PyCharm Community Edition</a:t>
+            </a:r>
+          </a:p>
+          <a:p>
+            <a:pPr lvl="1"/>
+            <a:r>
+              <a:rPr lang="en-US" dirty="0">
+                <a:hlinkClick r:id="rId3"/>
+              </a:rPr>
+              <a:t>https://www.jetbrains.com/pycharm/download/</a:t>
+            </a:r>
+            <a:endParaRPr lang="en-US" dirty="0"/>
+          </a:p>
+          <a:p>
+            <a:pPr lvl="1"/>
+            <a:r>
+              <a:rPr lang="en-US" dirty="0"/>
+              <a:t>Needs Python Installation</a:t>
+            </a:r>
+          </a:p>
+          <a:p>
+            <a:pPr lvl="1"/>
+            <a:r>
+              <a:rPr lang="en-US" dirty="0">
+                <a:hlinkClick r:id="rId4"/>
+              </a:rPr>
+              <a:t>https://www.python.org/downloads/</a:t>
+            </a:r>
+            <a:endParaRPr lang="en-US" dirty="0"/>
+          </a:p>
+        </p:txBody>
+      </p:sp>
+      <p:sp>
+        <p:nvSpPr>
+          <p:cNvPr id="4" name="Date Placeholder 3"/>
+          <p:cNvSpPr>
+            <a:spLocks noGrp="1"/>
+          </p:cNvSpPr>
+          <p:nvPr>
+            <p:ph type="dt" sz="half" idx="10"/>
           </p:nvPr>
         </p:nvSpPr>
         <p:spPr/>
@@ -4640,161 +4718,6 @@
           <a:lstStyle/>
           <a:p>
             <a:r>
-              <a:rPr lang="en-US" dirty="0"/>
-              <a:t>Windows:</a:t>
-            </a:r>
-          </a:p>
-          <a:p>
-            <a:pPr lvl="1"/>
-            <a:r>
-              <a:rPr lang="en-US" dirty="0"/>
-              <a:t>Open command prompt (</a:t>
-            </a:r>
-            <a:r>
-              <a:rPr lang="en-US" dirty="0" err="1">
-                <a:latin typeface="Courier" pitchFamily="2" charset="0"/>
-              </a:rPr>
-              <a:t>cmd.exe</a:t>
-            </a:r>
-            <a:r>
-              <a:rPr lang="en-US" dirty="0"/>
-              <a:t>)</a:t>
-            </a:r>
-          </a:p>
-          <a:p>
-            <a:pPr lvl="1"/>
-            <a:r>
-              <a:rPr lang="en-US" sz="1700" dirty="0">
-                <a:latin typeface="Courier" pitchFamily="2" charset="0"/>
-              </a:rPr>
-              <a:t>c:\</a:t>
-            </a:r>
-            <a:r>
-              <a:rPr lang="en-US" sz="1700" dirty="0" err="1">
-                <a:latin typeface="Courier" pitchFamily="2" charset="0"/>
-              </a:rPr>
-              <a:t>ProgramData</a:t>
-            </a:r>
-            <a:r>
-              <a:rPr lang="en-US" sz="1700" dirty="0">
-                <a:latin typeface="Courier" pitchFamily="2" charset="0"/>
-              </a:rPr>
-              <a:t>\Anaconda3\</a:t>
-            </a:r>
-            <a:r>
-              <a:rPr lang="en-US" sz="1700" dirty="0" err="1">
-                <a:latin typeface="Courier" pitchFamily="2" charset="0"/>
-              </a:rPr>
-              <a:t>python.exe</a:t>
-            </a:r>
-            <a:r>
-              <a:rPr lang="en-US" sz="1700" dirty="0">
-                <a:latin typeface="Courier" pitchFamily="2" charset="0"/>
-              </a:rPr>
-              <a:t> -m pip install </a:t>
-            </a:r>
-            <a:r>
-              <a:rPr lang="en-US" sz="1700" dirty="0" err="1">
-                <a:latin typeface="Courier" pitchFamily="2" charset="0"/>
-              </a:rPr>
-              <a:t>DESpy</a:t>
-            </a:r>
-            <a:endParaRPr lang="en-US" sz="2100" dirty="0">
-              <a:latin typeface="Courier" pitchFamily="2" charset="0"/>
-            </a:endParaRPr>
-          </a:p>
-          <a:p>
-            <a:pPr lvl="1"/>
-            <a:r>
-              <a:rPr lang="en-US" dirty="0"/>
-              <a:t>If in different location, use that</a:t>
-            </a:r>
-          </a:p>
-          <a:p>
-            <a:r>
-              <a:rPr lang="en-US" dirty="0"/>
-              <a:t>Mac OS:</a:t>
-            </a:r>
-          </a:p>
-          <a:p>
-            <a:pPr lvl="1"/>
-            <a:r>
-              <a:rPr lang="en-US" dirty="0"/>
-              <a:t>Open terminal (</a:t>
-            </a:r>
-            <a:r>
-              <a:rPr lang="en-US" sz="2000" dirty="0">
-                <a:latin typeface="Courier" pitchFamily="2" charset="0"/>
-              </a:rPr>
-              <a:t>/Applications/Utilities/Terminal</a:t>
-            </a:r>
-            <a:r>
-              <a:rPr lang="en-US" dirty="0"/>
-              <a:t>)</a:t>
-            </a:r>
-          </a:p>
-          <a:p>
-            <a:pPr lvl="1"/>
-            <a:r>
-              <a:rPr lang="en-US" sz="2000" dirty="0">
-                <a:latin typeface="Courier" pitchFamily="2" charset="0"/>
-              </a:rPr>
-              <a:t>/anaconda3/bin/python -m pip install </a:t>
-            </a:r>
-            <a:r>
-              <a:rPr lang="en-US" sz="2000" dirty="0" err="1">
-                <a:latin typeface="Courier" pitchFamily="2" charset="0"/>
-              </a:rPr>
-              <a:t>DESpy</a:t>
-            </a:r>
-            <a:endParaRPr lang="en-US" sz="2000" dirty="0">
-              <a:latin typeface="Courier" pitchFamily="2" charset="0"/>
-            </a:endParaRPr>
-          </a:p>
-          <a:p>
-            <a:pPr lvl="1"/>
-            <a:r>
-              <a:rPr lang="en-US" dirty="0"/>
-              <a:t>If in different location, use that</a:t>
-            </a:r>
-          </a:p>
-          <a:p>
-            <a:r>
-              <a:rPr lang="en-US" dirty="0">
-                <a:cs typeface="+mn-cs"/>
-              </a:rPr>
-              <a:t>Verify version is 0.1.10</a:t>
-            </a:r>
-            <a:endParaRPr lang="en-US" dirty="0"/>
-          </a:p>
-          <a:p>
-            <a:pPr lvl="1"/>
-            <a:endParaRPr lang="en-US" dirty="0"/>
-          </a:p>
-        </p:txBody>
-      </p:sp>
-      <p:sp>
-        <p:nvSpPr>
-          <p:cNvPr id="4" name="Date Placeholder 3">
-            <a:extLst>
-              <a:ext uri="{FF2B5EF4-FFF2-40B4-BE49-F238E27FC236}">
-                <a16:creationId xmlns:a16="http://schemas.microsoft.com/office/drawing/2014/main" id="{039C15A5-D73A-954F-98A7-60827FD3CACF}"/>
-              </a:ext>
-            </a:extLst>
-          </p:cNvPr>
-          <p:cNvSpPr>
-            <a:spLocks noGrp="1"/>
-          </p:cNvSpPr>
-          <p:nvPr>
-            <p:ph type="dt" sz="half" idx="10"/>
-          </p:nvPr>
-        </p:nvSpPr>
-        <p:spPr/>
-        <p:txBody>
-          <a:bodyPr/>
-          <a:lstStyle/>
-          <a:p>
-            <a:r>
               <a:rPr lang="en-US"/>
               <a:t>11/6/18</a:t>
             </a:r>
@@ -4803,44 +4726,7 @@
       </p:sp>
       <p:sp>
         <p:nvSpPr>
-          <p:cNvPr id="5" name="Footer Placeholder 4">
-            <a:extLst>
-              <a:ext uri="{FF2B5EF4-FFF2-40B4-BE49-F238E27FC236}">
-                <a16:creationId xmlns:a16="http://schemas.microsoft.com/office/drawing/2014/main" id="{0938B09E-0FEF-384D-BDE9-FDDC49CA39FC}"/>
-              </a:ext>
-            </a:extLst>
-          </p:cNvPr>
-          <p:cNvSpPr>
-            <a:spLocks noGrp="1"/>
-          </p:cNvSpPr>
-          <p:nvPr>
-            <p:ph type="ftr" sz="quarter" idx="11"/>
-          </p:nvPr>
-        </p:nvSpPr>
-        <p:spPr/>
-        <p:txBody>
-          <a:bodyPr/>
-          <a:lstStyle/>
-          <a:p>
-            <a:pPr>
-              <a:defRPr/>
-            </a:pPr>
-            <a:r>
-              <a:rPr lang="en-US"/>
-              <a:t>Introduction to DESpy</a:t>
-            </a:r>
-          </a:p>
-        </p:txBody>
-      </p:sp>
-      <p:sp>
-        <p:nvSpPr>
-          <p:cNvPr id="6" name="Slide Number Placeholder 5">
-            <a:extLst>
-              <a:ext uri="{FF2B5EF4-FFF2-40B4-BE49-F238E27FC236}">
-                <a16:creationId xmlns:a16="http://schemas.microsoft.com/office/drawing/2014/main" id="{C2ADE6E8-A81C-D34A-869F-69AAACCF646F}"/>
-              </a:ext>
-            </a:extLst>
-          </p:cNvPr>
+          <p:cNvPr id="5" name="Slide Number Placeholder 4"/>
           <p:cNvSpPr>
             <a:spLocks noGrp="1"/>
           </p:cNvSpPr>
@@ -4862,10 +4748,41 @@
           </a:p>
         </p:txBody>
       </p:sp>
+      <p:sp>
+        <p:nvSpPr>
+          <p:cNvPr id="6" name="Footer Placeholder 5">
+            <a:extLst>
+              <a:ext uri="{FF2B5EF4-FFF2-40B4-BE49-F238E27FC236}">
+                <a16:creationId xmlns:a16="http://schemas.microsoft.com/office/drawing/2014/main" id="{68D5AD32-31A8-F348-A61C-BEB587A902BA}"/>
+              </a:ext>
+            </a:extLst>
+          </p:cNvPr>
+          <p:cNvSpPr>
+            <a:spLocks noGrp="1"/>
+          </p:cNvSpPr>
+          <p:nvPr>
+            <p:ph type="ftr" sz="quarter" idx="11"/>
+          </p:nvPr>
+        </p:nvSpPr>
+        <p:spPr/>
+        <p:txBody>
+          <a:bodyPr/>
+          <a:lstStyle/>
+          <a:p>
+            <a:pPr>
+              <a:defRPr/>
+            </a:pPr>
+            <a:r>
+              <a:rPr lang="en-US"/>
+              <a:t>DES Modeling with DESpy</a:t>
+            </a:r>
+          </a:p>
+        </p:txBody>
+      </p:sp>
     </p:spTree>
     <p:extLst>
       <p:ext uri="{BB962C8B-B14F-4D97-AF65-F5344CB8AC3E}">
-        <p14:creationId xmlns:p14="http://schemas.microsoft.com/office/powerpoint/2010/main" val="268994066"/>
+        <p14:creationId xmlns:p14="http://schemas.microsoft.com/office/powerpoint/2010/main" val="4288533972"/>
       </p:ext>
     </p:extLst>
   </p:cSld>
@@ -4897,7 +4814,7 @@
           <p:cNvPr id="2" name="Title 1">
             <a:extLst>
               <a:ext uri="{FF2B5EF4-FFF2-40B4-BE49-F238E27FC236}">
-                <a16:creationId xmlns:a16="http://schemas.microsoft.com/office/drawing/2014/main" id="{284E2D76-AFFD-9445-ABE3-F73A0DCD9736}"/>
+                <a16:creationId xmlns:a16="http://schemas.microsoft.com/office/drawing/2014/main" id="{6C7F3A5F-EA0D-ED4B-A1D6-D84C8B7024E1}"/>
               </a:ext>
             </a:extLst>
           </p:cNvPr>
@@ -4915,16 +4832,13 @@
           <a:p>
             <a:r>
               <a:rPr lang="en-US" dirty="0"/>
-              <a:t>Running Existing </a:t>
+              <a:t>Installing </a:t>
             </a:r>
             <a:r>
               <a:rPr lang="en-US" dirty="0" err="1"/>
               <a:t>DESpy</a:t>
             </a:r>
-            <a:r>
-              <a:rPr lang="en-US" dirty="0"/>
-              <a:t> Model</a:t>
-            </a:r>
+            <a:endParaRPr lang="en-US" dirty="0"/>
           </a:p>
         </p:txBody>
       </p:sp>
@@ -4933,7 +4847,7 @@
           <p:cNvPr id="3" name="Content Placeholder 2">
             <a:extLst>
               <a:ext uri="{FF2B5EF4-FFF2-40B4-BE49-F238E27FC236}">
-                <a16:creationId xmlns:a16="http://schemas.microsoft.com/office/drawing/2014/main" id="{8B7BC122-8F6E-2646-8ADF-205A13A81B22}"/>
+                <a16:creationId xmlns:a16="http://schemas.microsoft.com/office/drawing/2014/main" id="{FAC2CF85-B346-D647-B34F-71F9F48C2B69}"/>
               </a:ext>
             </a:extLst>
           </p:cNvPr>
@@ -4951,40 +4865,156 @@
           <a:p>
             <a:r>
               <a:rPr lang="en-US" dirty="0"/>
-              <a:t>Import statements</a:t>
-            </a:r>
-          </a:p>
-          <a:p>
+              <a:t>Windows:</a:t>
+            </a:r>
+          </a:p>
+          <a:p>
+            <a:pPr lvl="1"/>
             <a:r>
               <a:rPr lang="en-US" dirty="0"/>
-              <a:t>Create </a:t>
-            </a:r>
-            <a:r>
-              <a:rPr lang="en-US" dirty="0" err="1"/>
-              <a:t>RandomVariate</a:t>
+              <a:t>Open command prompt (</a:t>
+            </a:r>
+            <a:r>
+              <a:rPr lang="en-US" sz="2400" dirty="0" err="1">
+                <a:latin typeface="Courier" pitchFamily="2" charset="0"/>
+              </a:rPr>
+              <a:t>cmd.exe</a:t>
             </a:r>
             <a:r>
               <a:rPr lang="en-US" dirty="0"/>
-              <a:t> instances</a:t>
-            </a:r>
-          </a:p>
-          <a:p>
+              <a:t>)</a:t>
+            </a:r>
+          </a:p>
+          <a:p>
+            <a:pPr lvl="1"/>
+            <a:r>
+              <a:rPr lang="en-US" sz="1700" dirty="0">
+                <a:latin typeface="Courier" pitchFamily="2" charset="0"/>
+              </a:rPr>
+              <a:t>c:\</a:t>
+            </a:r>
+            <a:r>
+              <a:rPr lang="en-US" sz="1700" dirty="0" err="1">
+                <a:latin typeface="Courier" pitchFamily="2" charset="0"/>
+              </a:rPr>
+              <a:t>ProgramData</a:t>
+            </a:r>
+            <a:r>
+              <a:rPr lang="en-US" sz="1700" dirty="0">
+                <a:latin typeface="Courier" pitchFamily="2" charset="0"/>
+              </a:rPr>
+              <a:t>\Anaconda3\</a:t>
+            </a:r>
+            <a:r>
+              <a:rPr lang="en-US" sz="1700" dirty="0" err="1">
+                <a:latin typeface="Courier" pitchFamily="2" charset="0"/>
+              </a:rPr>
+              <a:t>python.exe</a:t>
+            </a:r>
+            <a:r>
+              <a:rPr lang="en-US" sz="1700" dirty="0">
+                <a:latin typeface="Courier" pitchFamily="2" charset="0"/>
+              </a:rPr>
+              <a:t> -m pip install </a:t>
+            </a:r>
+            <a:r>
+              <a:rPr lang="en-US" sz="1700" dirty="0" err="1">
+                <a:latin typeface="Courier" pitchFamily="2" charset="0"/>
+              </a:rPr>
+              <a:t>DESpy</a:t>
+            </a:r>
+            <a:endParaRPr lang="en-US" sz="2100" dirty="0">
+              <a:latin typeface="Courier" pitchFamily="2" charset="0"/>
+            </a:endParaRPr>
+          </a:p>
+          <a:p>
+            <a:pPr lvl="1"/>
             <a:r>
               <a:rPr lang="en-US" dirty="0"/>
-              <a:t>Create model instance</a:t>
+              <a:t>If in different location, use that</a:t>
             </a:r>
           </a:p>
           <a:p>
             <a:r>
               <a:rPr lang="en-US" dirty="0"/>
-              <a:t>Verbose mode runs</a:t>
-            </a:r>
-          </a:p>
-          <a:p>
+              <a:t>Mac OS:</a:t>
+            </a:r>
+          </a:p>
+          <a:p>
+            <a:pPr lvl="1"/>
             <a:r>
               <a:rPr lang="en-US" dirty="0"/>
-              <a:t>“Production” run</a:t>
-            </a:r>
+              <a:t>Open terminal (in </a:t>
+            </a:r>
+            <a:r>
+              <a:rPr lang="en-US" sz="2000" dirty="0">
+                <a:latin typeface="Courier" pitchFamily="2" charset="0"/>
+              </a:rPr>
+              <a:t>/Applications/Utilities</a:t>
+            </a:r>
+            <a:r>
+              <a:rPr lang="en-US" dirty="0"/>
+              <a:t>)</a:t>
+            </a:r>
+          </a:p>
+          <a:p>
+            <a:pPr lvl="1"/>
+            <a:r>
+              <a:rPr lang="en-US" sz="2000" dirty="0">
+                <a:latin typeface="Courier" pitchFamily="2" charset="0"/>
+              </a:rPr>
+              <a:t>/anaconda3/bin/python -m pip install </a:t>
+            </a:r>
+            <a:r>
+              <a:rPr lang="en-US" sz="2000" dirty="0" err="1">
+                <a:latin typeface="Courier" pitchFamily="2" charset="0"/>
+              </a:rPr>
+              <a:t>DESpy</a:t>
+            </a:r>
+            <a:endParaRPr lang="en-US" sz="2000" dirty="0">
+              <a:latin typeface="Courier" pitchFamily="2" charset="0"/>
+            </a:endParaRPr>
+          </a:p>
+          <a:p>
+            <a:pPr lvl="1"/>
+            <a:r>
+              <a:rPr lang="en-US" dirty="0"/>
+              <a:t>If “just me”, </a:t>
+            </a:r>
+            <a:r>
+              <a:rPr lang="en-US" sz="2000" dirty="0">
+                <a:latin typeface="Courier" pitchFamily="2" charset="0"/>
+              </a:rPr>
+              <a:t>~/anaconda3/bin/python</a:t>
+            </a:r>
+            <a:endParaRPr lang="en-US" dirty="0">
+              <a:latin typeface="Courier" pitchFamily="2" charset="0"/>
+            </a:endParaRPr>
+          </a:p>
+          <a:p>
+            <a:r>
+              <a:rPr lang="en-US" dirty="0">
+                <a:cs typeface="+mn-cs"/>
+              </a:rPr>
+              <a:t>Verify </a:t>
+            </a:r>
+            <a:r>
+              <a:rPr lang="en-US" dirty="0" err="1">
+                <a:cs typeface="+mn-cs"/>
+              </a:rPr>
+              <a:t>DESpy</a:t>
+            </a:r>
+            <a:r>
+              <a:rPr lang="en-US" dirty="0">
+                <a:cs typeface="+mn-cs"/>
+              </a:rPr>
+              <a:t> version is 0.1.10</a:t>
+            </a:r>
+            <a:endParaRPr lang="en-US" dirty="0"/>
+          </a:p>
+          <a:p>
+            <a:pPr lvl="1"/>
+            <a:endParaRPr lang="en-US" dirty="0"/>
           </a:p>
         </p:txBody>
       </p:sp>
@@ -4993,7 +5023,7 @@
           <p:cNvPr id="4" name="Date Placeholder 3">
             <a:extLst>
               <a:ext uri="{FF2B5EF4-FFF2-40B4-BE49-F238E27FC236}">
-                <a16:creationId xmlns:a16="http://schemas.microsoft.com/office/drawing/2014/main" id="{FE229EFF-4D11-6E4D-A104-F7339CCC5223}"/>
+                <a16:creationId xmlns:a16="http://schemas.microsoft.com/office/drawing/2014/main" id="{039C15A5-D73A-954F-98A7-60827FD3CACF}"/>
               </a:ext>
             </a:extLst>
           </p:cNvPr>
@@ -5021,7 +5051,7 @@
           <p:cNvPr id="5" name="Footer Placeholder 4">
             <a:extLst>
               <a:ext uri="{FF2B5EF4-FFF2-40B4-BE49-F238E27FC236}">
-                <a16:creationId xmlns:a16="http://schemas.microsoft.com/office/drawing/2014/main" id="{8451CAAA-F057-2F49-97EC-8684E33F2542}"/>
+                <a16:creationId xmlns:a16="http://schemas.microsoft.com/office/drawing/2014/main" id="{0938B09E-0FEF-384D-BDE9-FDDC49CA39FC}"/>
               </a:ext>
             </a:extLst>
           </p:cNvPr>
@@ -5042,7 +5072,7 @@
             </a:pPr>
             <a:r>
               <a:rPr lang="en-US"/>
-              <a:t>Introduction to DESpy</a:t>
+              <a:t>DES Modeling with DESpy</a:t>
             </a:r>
           </a:p>
         </p:txBody>
@@ -5052,7 +5082,7 @@
           <p:cNvPr id="6" name="Slide Number Placeholder 5">
             <a:extLst>
               <a:ext uri="{FF2B5EF4-FFF2-40B4-BE49-F238E27FC236}">
-                <a16:creationId xmlns:a16="http://schemas.microsoft.com/office/drawing/2014/main" id="{6456E973-FE15-2349-B202-5C0194C55E52}"/>
+                <a16:creationId xmlns:a16="http://schemas.microsoft.com/office/drawing/2014/main" id="{C2ADE6E8-A81C-D34A-869F-69AAACCF646F}"/>
               </a:ext>
             </a:extLst>
           </p:cNvPr>
@@ -5080,7 +5110,7 @@
     </p:spTree>
     <p:extLst>
       <p:ext uri="{BB962C8B-B14F-4D97-AF65-F5344CB8AC3E}">
-        <p14:creationId xmlns:p14="http://schemas.microsoft.com/office/powerpoint/2010/main" val="1620179521"/>
+        <p14:creationId xmlns:p14="http://schemas.microsoft.com/office/powerpoint/2010/main" val="268994066"/>
       </p:ext>
     </p:extLst>
   </p:cSld>
@@ -5112,6 +5142,231 @@
           <p:cNvPr id="2" name="Title 1">
             <a:extLst>
               <a:ext uri="{FF2B5EF4-FFF2-40B4-BE49-F238E27FC236}">
+                <a16:creationId xmlns:a16="http://schemas.microsoft.com/office/drawing/2014/main" id="{284E2D76-AFFD-9445-ABE3-F73A0DCD9736}"/>
+              </a:ext>
+            </a:extLst>
+          </p:cNvPr>
+          <p:cNvSpPr>
+            <a:spLocks noGrp="1"/>
+          </p:cNvSpPr>
+          <p:nvPr>
+            <p:ph type="title"/>
+          </p:nvPr>
+        </p:nvSpPr>
+        <p:spPr/>
+        <p:txBody>
+          <a:bodyPr/>
+          <a:lstStyle/>
+          <a:p>
+            <a:r>
+              <a:rPr lang="en-US" dirty="0"/>
+              <a:t>Running Existing </a:t>
+            </a:r>
+            <a:r>
+              <a:rPr lang="en-US" dirty="0" err="1"/>
+              <a:t>DESpy</a:t>
+            </a:r>
+            <a:r>
+              <a:rPr lang="en-US" dirty="0"/>
+              <a:t> Model</a:t>
+            </a:r>
+          </a:p>
+        </p:txBody>
+      </p:sp>
+      <p:sp>
+        <p:nvSpPr>
+          <p:cNvPr id="3" name="Content Placeholder 2">
+            <a:extLst>
+              <a:ext uri="{FF2B5EF4-FFF2-40B4-BE49-F238E27FC236}">
+                <a16:creationId xmlns:a16="http://schemas.microsoft.com/office/drawing/2014/main" id="{8B7BC122-8F6E-2646-8ADF-205A13A81B22}"/>
+              </a:ext>
+            </a:extLst>
+          </p:cNvPr>
+          <p:cNvSpPr>
+            <a:spLocks noGrp="1"/>
+          </p:cNvSpPr>
+          <p:nvPr>
+            <p:ph idx="1"/>
+          </p:nvPr>
+        </p:nvSpPr>
+        <p:spPr/>
+        <p:txBody>
+          <a:bodyPr/>
+          <a:lstStyle/>
+          <a:p>
+            <a:r>
+              <a:rPr lang="en-US" dirty="0"/>
+              <a:t>Import statements</a:t>
+            </a:r>
+          </a:p>
+          <a:p>
+            <a:r>
+              <a:rPr lang="en-US" dirty="0"/>
+              <a:t>Create </a:t>
+            </a:r>
+            <a:r>
+              <a:rPr lang="en-US" sz="2800" dirty="0" err="1">
+                <a:latin typeface="Courier" pitchFamily="2" charset="0"/>
+              </a:rPr>
+              <a:t>RandomVariate</a:t>
+            </a:r>
+            <a:r>
+              <a:rPr lang="en-US" dirty="0"/>
+              <a:t> instances</a:t>
+            </a:r>
+          </a:p>
+          <a:p>
+            <a:r>
+              <a:rPr lang="en-US" dirty="0"/>
+              <a:t>Create model instance</a:t>
+            </a:r>
+          </a:p>
+          <a:p>
+            <a:r>
+              <a:rPr lang="en-US" dirty="0"/>
+              <a:t>Verbose mode runs (testing/debugging)</a:t>
+            </a:r>
+          </a:p>
+          <a:p>
+            <a:r>
+              <a:rPr lang="en-US" dirty="0"/>
+              <a:t>“Production” run</a:t>
+            </a:r>
+          </a:p>
+          <a:p>
+            <a:pPr lvl="1"/>
+            <a:r>
+              <a:rPr lang="en-US"/>
+              <a:t>Collect statistics</a:t>
+            </a:r>
+            <a:endParaRPr lang="en-US" dirty="0"/>
+          </a:p>
+        </p:txBody>
+      </p:sp>
+      <p:sp>
+        <p:nvSpPr>
+          <p:cNvPr id="4" name="Date Placeholder 3">
+            <a:extLst>
+              <a:ext uri="{FF2B5EF4-FFF2-40B4-BE49-F238E27FC236}">
+                <a16:creationId xmlns:a16="http://schemas.microsoft.com/office/drawing/2014/main" id="{FE229EFF-4D11-6E4D-A104-F7339CCC5223}"/>
+              </a:ext>
+            </a:extLst>
+          </p:cNvPr>
+          <p:cNvSpPr>
+            <a:spLocks noGrp="1"/>
+          </p:cNvSpPr>
+          <p:nvPr>
+            <p:ph type="dt" sz="half" idx="10"/>
+          </p:nvPr>
+        </p:nvSpPr>
+        <p:spPr/>
+        <p:txBody>
+          <a:bodyPr/>
+          <a:lstStyle/>
+          <a:p>
+            <a:r>
+              <a:rPr lang="en-US"/>
+              <a:t>11/6/18</a:t>
+            </a:r>
+          </a:p>
+        </p:txBody>
+      </p:sp>
+      <p:sp>
+        <p:nvSpPr>
+          <p:cNvPr id="5" name="Footer Placeholder 4">
+            <a:extLst>
+              <a:ext uri="{FF2B5EF4-FFF2-40B4-BE49-F238E27FC236}">
+                <a16:creationId xmlns:a16="http://schemas.microsoft.com/office/drawing/2014/main" id="{8451CAAA-F057-2F49-97EC-8684E33F2542}"/>
+              </a:ext>
+            </a:extLst>
+          </p:cNvPr>
+          <p:cNvSpPr>
+            <a:spLocks noGrp="1"/>
+          </p:cNvSpPr>
+          <p:nvPr>
+            <p:ph type="ftr" sz="quarter" idx="11"/>
+          </p:nvPr>
+        </p:nvSpPr>
+        <p:spPr/>
+        <p:txBody>
+          <a:bodyPr/>
+          <a:lstStyle/>
+          <a:p>
+            <a:pPr>
+              <a:defRPr/>
+            </a:pPr>
+            <a:r>
+              <a:rPr lang="en-US"/>
+              <a:t>DES Modeling with DESpy</a:t>
+            </a:r>
+          </a:p>
+        </p:txBody>
+      </p:sp>
+      <p:sp>
+        <p:nvSpPr>
+          <p:cNvPr id="6" name="Slide Number Placeholder 5">
+            <a:extLst>
+              <a:ext uri="{FF2B5EF4-FFF2-40B4-BE49-F238E27FC236}">
+                <a16:creationId xmlns:a16="http://schemas.microsoft.com/office/drawing/2014/main" id="{6456E973-FE15-2349-B202-5C0194C55E52}"/>
+              </a:ext>
+            </a:extLst>
+          </p:cNvPr>
+          <p:cNvSpPr>
+            <a:spLocks noGrp="1"/>
+          </p:cNvSpPr>
+          <p:nvPr>
+            <p:ph type="sldNum" sz="quarter" idx="12"/>
+          </p:nvPr>
+        </p:nvSpPr>
+        <p:spPr/>
+        <p:txBody>
+          <a:bodyPr/>
+          <a:lstStyle/>
+          <a:p>
+            <a:fld id="{378C6459-8807-7D4B-ADD4-769C53CAC107}" type="slidenum">
+              <a:rPr lang="en-US" smtClean="0"/>
+              <a:pPr/>
+              <a:t>5</a:t>
+            </a:fld>
+            <a:endParaRPr lang="en-US"/>
+          </a:p>
+        </p:txBody>
+      </p:sp>
+    </p:spTree>
+    <p:extLst>
+      <p:ext uri="{BB962C8B-B14F-4D97-AF65-F5344CB8AC3E}">
+        <p14:creationId xmlns:p14="http://schemas.microsoft.com/office/powerpoint/2010/main" val="1620179521"/>
+      </p:ext>
+    </p:extLst>
+  </p:cSld>
+  <p:clrMapOvr>
+    <a:masterClrMapping/>
+  </p:clrMapOvr>
+</p:sld>
+</file>
+
+<file path=ppt/slides/slide6.xml><?xml version="1.0" encoding="utf-8"?>
+<p:sld xmlns:a="http://schemas.openxmlformats.org/drawingml/2006/main" xmlns:r="http://schemas.openxmlformats.org/officeDocument/2006/relationships" xmlns:p="http://schemas.openxmlformats.org/presentationml/2006/main">
+  <p:cSld>
+    <p:spTree>
+      <p:nvGrpSpPr>
+        <p:cNvPr id="1" name=""/>
+        <p:cNvGrpSpPr/>
+        <p:nvPr/>
+      </p:nvGrpSpPr>
+      <p:grpSpPr>
+        <a:xfrm>
+          <a:off x="0" y="0"/>
+          <a:ext cx="0" cy="0"/>
+          <a:chOff x="0" y="0"/>
+          <a:chExt cx="0" cy="0"/>
+        </a:xfrm>
+      </p:grpSpPr>
+      <p:sp>
+        <p:nvSpPr>
+          <p:cNvPr id="2" name="Title 1">
+            <a:extLst>
+              <a:ext uri="{FF2B5EF4-FFF2-40B4-BE49-F238E27FC236}">
                 <a16:creationId xmlns:a16="http://schemas.microsoft.com/office/drawing/2014/main" id="{68A1FF77-9472-544F-96E5-F27F5900047D}"/>
               </a:ext>
             </a:extLst>
@@ -5340,7 +5595,7 @@
             </a:pPr>
             <a:r>
               <a:rPr lang="en-US"/>
-              <a:t>Introduction to DESpy</a:t>
+              <a:t>DES Modeling with DESpy</a:t>
             </a:r>
           </a:p>
         </p:txBody>
@@ -5369,7 +5624,7 @@
             <a:fld id="{378C6459-8807-7D4B-ADD4-769C53CAC107}" type="slidenum">
               <a:rPr lang="en-US" smtClean="0"/>
               <a:pPr/>
-              <a:t>5</a:t>
+              <a:t>6</a:t>
             </a:fld>
             <a:endParaRPr lang="en-US"/>
           </a:p>
